--- a/PPTX/HyphensTrick.pptx
+++ b/PPTX/HyphensTrick.pptx
@@ -105,6 +105,11 @@
       </a:defRPr>
     </a:lvl9pPr>
   </p:defaultTextStyle>
+  <p:extLst>
+    <p:ext uri="{EFAFB233-063F-42B5-8137-9DF3F51BA10A}">
+      <p15:sldGuideLst xmlns:p15="http://schemas.microsoft.com/office/powerpoint/2012/main"/>
+    </p:ext>
+  </p:extLst>
 </p:presentation>
 </file>
 
@@ -125,12 +130,12 @@
   <pc:docChgLst>
     <pc:chgData name="Naji El Kotob" userId="bb4ffc2c2641dcdb" providerId="LiveId" clId="{DC90B9F7-3F84-4682-BE40-9224ED03FC52}"/>
     <pc:docChg chg="undo custSel addSld modSld">
-      <pc:chgData name="Naji El Kotob" userId="bb4ffc2c2641dcdb" providerId="LiveId" clId="{DC90B9F7-3F84-4682-BE40-9224ED03FC52}" dt="2023-12-02T22:02:47.107" v="188" actId="478"/>
+      <pc:chgData name="Naji El Kotob" userId="bb4ffc2c2641dcdb" providerId="LiveId" clId="{DC90B9F7-3F84-4682-BE40-9224ED03FC52}" dt="2023-12-02T22:33:04.336" v="189" actId="20577"/>
       <pc:docMkLst>
         <pc:docMk/>
       </pc:docMkLst>
       <pc:sldChg chg="addSp delSp modSp mod addCm delCm modCm">
-        <pc:chgData name="Naji El Kotob" userId="bb4ffc2c2641dcdb" providerId="LiveId" clId="{DC90B9F7-3F84-4682-BE40-9224ED03FC52}" dt="2023-12-02T22:02:41.616" v="186" actId="5900"/>
+        <pc:chgData name="Naji El Kotob" userId="bb4ffc2c2641dcdb" providerId="LiveId" clId="{DC90B9F7-3F84-4682-BE40-9224ED03FC52}" dt="2023-12-02T22:33:04.336" v="189" actId="20577"/>
         <pc:sldMkLst>
           <pc:docMk/>
           <pc:sldMk cId="2857134013" sldId="256"/>
@@ -160,7 +165,7 @@
           </ac:spMkLst>
         </pc:spChg>
         <pc:spChg chg="add mod">
-          <ac:chgData name="Naji El Kotob" userId="bb4ffc2c2641dcdb" providerId="LiveId" clId="{DC90B9F7-3F84-4682-BE40-9224ED03FC52}" dt="2023-12-02T21:58:34.784" v="153" actId="207"/>
+          <ac:chgData name="Naji El Kotob" userId="bb4ffc2c2641dcdb" providerId="LiveId" clId="{DC90B9F7-3F84-4682-BE40-9224ED03FC52}" dt="2023-12-02T22:33:04.336" v="189" actId="20577"/>
           <ac:spMkLst>
             <pc:docMk/>
             <pc:sldMk cId="2857134013" sldId="256"/>
@@ -385,7 +390,7 @@
           <a:p>
             <a:fld id="{349C6E2D-342D-4213-9DCA-2E559BC33F1E}" type="datetimeFigureOut">
               <a:rPr lang="en-GB" smtClean="0"/>
-              <a:t>02/12/2023</a:t>
+              <a:t>03/12/2023</a:t>
             </a:fld>
             <a:endParaRPr lang="en-GB"/>
           </a:p>
@@ -585,7 +590,7 @@
           <a:p>
             <a:fld id="{349C6E2D-342D-4213-9DCA-2E559BC33F1E}" type="datetimeFigureOut">
               <a:rPr lang="en-GB" smtClean="0"/>
-              <a:t>02/12/2023</a:t>
+              <a:t>03/12/2023</a:t>
             </a:fld>
             <a:endParaRPr lang="en-GB"/>
           </a:p>
@@ -795,7 +800,7 @@
           <a:p>
             <a:fld id="{349C6E2D-342D-4213-9DCA-2E559BC33F1E}" type="datetimeFigureOut">
               <a:rPr lang="en-GB" smtClean="0"/>
-              <a:t>02/12/2023</a:t>
+              <a:t>03/12/2023</a:t>
             </a:fld>
             <a:endParaRPr lang="en-GB"/>
           </a:p>
@@ -995,7 +1000,7 @@
           <a:p>
             <a:fld id="{349C6E2D-342D-4213-9DCA-2E559BC33F1E}" type="datetimeFigureOut">
               <a:rPr lang="en-GB" smtClean="0"/>
-              <a:t>02/12/2023</a:t>
+              <a:t>03/12/2023</a:t>
             </a:fld>
             <a:endParaRPr lang="en-GB"/>
           </a:p>
@@ -1271,7 +1276,7 @@
           <a:p>
             <a:fld id="{349C6E2D-342D-4213-9DCA-2E559BC33F1E}" type="datetimeFigureOut">
               <a:rPr lang="en-GB" smtClean="0"/>
-              <a:t>02/12/2023</a:t>
+              <a:t>03/12/2023</a:t>
             </a:fld>
             <a:endParaRPr lang="en-GB"/>
           </a:p>
@@ -1539,7 +1544,7 @@
           <a:p>
             <a:fld id="{349C6E2D-342D-4213-9DCA-2E559BC33F1E}" type="datetimeFigureOut">
               <a:rPr lang="en-GB" smtClean="0"/>
-              <a:t>02/12/2023</a:t>
+              <a:t>03/12/2023</a:t>
             </a:fld>
             <a:endParaRPr lang="en-GB"/>
           </a:p>
@@ -1954,7 +1959,7 @@
           <a:p>
             <a:fld id="{349C6E2D-342D-4213-9DCA-2E559BC33F1E}" type="datetimeFigureOut">
               <a:rPr lang="en-GB" smtClean="0"/>
-              <a:t>02/12/2023</a:t>
+              <a:t>03/12/2023</a:t>
             </a:fld>
             <a:endParaRPr lang="en-GB"/>
           </a:p>
@@ -2096,7 +2101,7 @@
           <a:p>
             <a:fld id="{349C6E2D-342D-4213-9DCA-2E559BC33F1E}" type="datetimeFigureOut">
               <a:rPr lang="en-GB" smtClean="0"/>
-              <a:t>02/12/2023</a:t>
+              <a:t>03/12/2023</a:t>
             </a:fld>
             <a:endParaRPr lang="en-GB"/>
           </a:p>
@@ -2209,7 +2214,7 @@
           <a:p>
             <a:fld id="{349C6E2D-342D-4213-9DCA-2E559BC33F1E}" type="datetimeFigureOut">
               <a:rPr lang="en-GB" smtClean="0"/>
-              <a:t>02/12/2023</a:t>
+              <a:t>03/12/2023</a:t>
             </a:fld>
             <a:endParaRPr lang="en-GB"/>
           </a:p>
@@ -2522,7 +2527,7 @@
           <a:p>
             <a:fld id="{349C6E2D-342D-4213-9DCA-2E559BC33F1E}" type="datetimeFigureOut">
               <a:rPr lang="en-GB" smtClean="0"/>
-              <a:t>02/12/2023</a:t>
+              <a:t>03/12/2023</a:t>
             </a:fld>
             <a:endParaRPr lang="en-GB"/>
           </a:p>
@@ -2811,7 +2816,7 @@
           <a:p>
             <a:fld id="{349C6E2D-342D-4213-9DCA-2E559BC33F1E}" type="datetimeFigureOut">
               <a:rPr lang="en-GB" smtClean="0"/>
-              <a:t>02/12/2023</a:t>
+              <a:t>03/12/2023</a:t>
             </a:fld>
             <a:endParaRPr lang="en-GB"/>
           </a:p>
@@ -3054,7 +3059,7 @@
           <a:p>
             <a:fld id="{349C6E2D-342D-4213-9DCA-2E559BC33F1E}" type="datetimeFigureOut">
               <a:rPr lang="en-GB" smtClean="0"/>
-              <a:t>02/12/2023</a:t>
+              <a:t>03/12/2023</a:t>
             </a:fld>
             <a:endParaRPr lang="en-GB"/>
           </a:p>
@@ -3554,25 +3559,8 @@
                 <a:latin typeface="Aharoni" panose="02010803020104030203" pitchFamily="2" charset="-79"/>
                 <a:cs typeface="Aharoni" panose="02010803020104030203" pitchFamily="2" charset="-79"/>
               </a:rPr>
-              <a:t>Lorem </a:t>
-            </a:r>
-            <a:r>
-              <a:rPr lang="en-GB" sz="6000" dirty="0" err="1">
-                <a:solidFill>
-                  <a:srgbClr val="033967"/>
-                </a:solidFill>
-                <a:latin typeface="Aharoni" panose="02010803020104030203" pitchFamily="2" charset="-79"/>
-                <a:cs typeface="Aharoni" panose="02010803020104030203" pitchFamily="2" charset="-79"/>
-              </a:rPr>
-              <a:t>Ipsom</a:t>
-            </a:r>
-            <a:endParaRPr lang="en-GB" sz="6000" dirty="0">
-              <a:solidFill>
-                <a:srgbClr val="033967"/>
-              </a:solidFill>
-              <a:latin typeface="Aharoni" panose="02010803020104030203" pitchFamily="2" charset="-79"/>
-              <a:cs typeface="Aharoni" panose="02010803020104030203" pitchFamily="2" charset="-79"/>
-            </a:endParaRPr>
+              <a:t>Lorem Ipsum</a:t>
+            </a:r>
           </a:p>
         </p:txBody>
       </p:sp>
